--- a/MidTermPresentation.pptx
+++ b/MidTermPresentation.pptx
@@ -8,13 +8,14 @@
     <p:sldId id="256" r:id="rId2"/>
     <p:sldId id="257" r:id="rId3"/>
     <p:sldId id="258" r:id="rId4"/>
-    <p:sldId id="259" r:id="rId5"/>
-    <p:sldId id="260" r:id="rId6"/>
-    <p:sldId id="261" r:id="rId7"/>
-    <p:sldId id="262" r:id="rId8"/>
-    <p:sldId id="263" r:id="rId9"/>
-    <p:sldId id="264" r:id="rId10"/>
+    <p:sldId id="260" r:id="rId5"/>
+    <p:sldId id="261" r:id="rId6"/>
+    <p:sldId id="262" r:id="rId7"/>
+    <p:sldId id="263" r:id="rId8"/>
+    <p:sldId id="266" r:id="rId9"/>
+    <p:sldId id="259" r:id="rId10"/>
     <p:sldId id="265" r:id="rId11"/>
+    <p:sldId id="264" r:id="rId12"/>
   </p:sldIdLst>
   <p:sldSz cx="12192000" cy="6858000"/>
   <p:notesSz cx="6858000" cy="9144000"/>
@@ -113,6 +114,11 @@
       </a:defRPr>
     </a:lvl9pPr>
   </p:defaultTextStyle>
+  <p:extLst>
+    <p:ext uri="{EFAFB233-063F-42B5-8137-9DF3F51BA10A}">
+      <p15:sldGuideLst xmlns:p15="http://schemas.microsoft.com/office/powerpoint/2012/main"/>
+    </p:ext>
+  </p:extLst>
 </p:presentation>
 </file>
 
@@ -618,7 +624,7 @@
           <a:p>
             <a:fld id="{EE6174D2-4521-430C-8532-AB1D75A4E29D}" type="datetimeFigureOut">
               <a:rPr lang="de-DE" smtClean="0"/>
-              <a:t>03.12.2020</a:t>
+              <a:t>09.12.2020</a:t>
             </a:fld>
             <a:endParaRPr lang="de-DE"/>
           </a:p>
@@ -914,7 +920,7 @@
           <a:p>
             <a:fld id="{EE6174D2-4521-430C-8532-AB1D75A4E29D}" type="datetimeFigureOut">
               <a:rPr lang="de-DE" smtClean="0"/>
-              <a:t>03.12.2020</a:t>
+              <a:t>09.12.2020</a:t>
             </a:fld>
             <a:endParaRPr lang="de-DE"/>
           </a:p>
@@ -1162,7 +1168,7 @@
           <a:p>
             <a:fld id="{EE6174D2-4521-430C-8532-AB1D75A4E29D}" type="datetimeFigureOut">
               <a:rPr lang="de-DE" smtClean="0"/>
-              <a:t>03.12.2020</a:t>
+              <a:t>09.12.2020</a:t>
             </a:fld>
             <a:endParaRPr lang="de-DE"/>
           </a:p>
@@ -1702,7 +1708,7 @@
           <a:p>
             <a:fld id="{EE6174D2-4521-430C-8532-AB1D75A4E29D}" type="datetimeFigureOut">
               <a:rPr lang="de-DE" smtClean="0"/>
-              <a:t>03.12.2020</a:t>
+              <a:t>09.12.2020</a:t>
             </a:fld>
             <a:endParaRPr lang="de-DE"/>
           </a:p>
@@ -1950,7 +1956,7 @@
           <a:p>
             <a:fld id="{EE6174D2-4521-430C-8532-AB1D75A4E29D}" type="datetimeFigureOut">
               <a:rPr lang="de-DE" smtClean="0"/>
-              <a:t>03.12.2020</a:t>
+              <a:t>09.12.2020</a:t>
             </a:fld>
             <a:endParaRPr lang="de-DE"/>
           </a:p>
@@ -2482,7 +2488,7 @@
           <a:p>
             <a:fld id="{EE6174D2-4521-430C-8532-AB1D75A4E29D}" type="datetimeFigureOut">
               <a:rPr lang="de-DE" smtClean="0"/>
-              <a:t>03.12.2020</a:t>
+              <a:t>09.12.2020</a:t>
             </a:fld>
             <a:endParaRPr lang="de-DE"/>
           </a:p>
@@ -2779,7 +2785,7 @@
           <a:p>
             <a:fld id="{EE6174D2-4521-430C-8532-AB1D75A4E29D}" type="datetimeFigureOut">
               <a:rPr lang="de-DE" smtClean="0"/>
-              <a:t>03.12.2020</a:t>
+              <a:t>09.12.2020</a:t>
             </a:fld>
             <a:endParaRPr lang="de-DE"/>
           </a:p>
@@ -2953,7 +2959,7 @@
           <a:p>
             <a:fld id="{EE6174D2-4521-430C-8532-AB1D75A4E29D}" type="datetimeFigureOut">
               <a:rPr lang="de-DE" smtClean="0"/>
-              <a:t>03.12.2020</a:t>
+              <a:t>09.12.2020</a:t>
             </a:fld>
             <a:endParaRPr lang="de-DE"/>
           </a:p>
@@ -3133,7 +3139,7 @@
           <a:p>
             <a:fld id="{EE6174D2-4521-430C-8532-AB1D75A4E29D}" type="datetimeFigureOut">
               <a:rPr lang="de-DE" smtClean="0"/>
-              <a:t>03.12.2020</a:t>
+              <a:t>09.12.2020</a:t>
             </a:fld>
             <a:endParaRPr lang="de-DE"/>
           </a:p>
@@ -3498,7 +3504,7 @@
           <a:p>
             <a:fld id="{EE6174D2-4521-430C-8532-AB1D75A4E29D}" type="datetimeFigureOut">
               <a:rPr lang="de-DE" smtClean="0"/>
-              <a:t>03.12.2020</a:t>
+              <a:t>09.12.2020</a:t>
             </a:fld>
             <a:endParaRPr lang="de-DE"/>
           </a:p>
@@ -3773,7 +3779,7 @@
           <a:p>
             <a:fld id="{EE6174D2-4521-430C-8532-AB1D75A4E29D}" type="datetimeFigureOut">
               <a:rPr lang="de-DE" smtClean="0"/>
-              <a:t>03.12.2020</a:t>
+              <a:t>09.12.2020</a:t>
             </a:fld>
             <a:endParaRPr lang="de-DE"/>
           </a:p>
@@ -4070,7 +4076,7 @@
           <a:p>
             <a:fld id="{EE6174D2-4521-430C-8532-AB1D75A4E29D}" type="datetimeFigureOut">
               <a:rPr lang="de-DE" smtClean="0"/>
-              <a:t>03.12.2020</a:t>
+              <a:t>09.12.2020</a:t>
             </a:fld>
             <a:endParaRPr lang="de-DE"/>
           </a:p>
@@ -4512,7 +4518,7 @@
           <a:p>
             <a:fld id="{EE6174D2-4521-430C-8532-AB1D75A4E29D}" type="datetimeFigureOut">
               <a:rPr lang="de-DE" smtClean="0"/>
-              <a:t>03.12.2020</a:t>
+              <a:t>09.12.2020</a:t>
             </a:fld>
             <a:endParaRPr lang="de-DE"/>
           </a:p>
@@ -4630,7 +4636,7 @@
           <a:p>
             <a:fld id="{EE6174D2-4521-430C-8532-AB1D75A4E29D}" type="datetimeFigureOut">
               <a:rPr lang="de-DE" smtClean="0"/>
-              <a:t>03.12.2020</a:t>
+              <a:t>09.12.2020</a:t>
             </a:fld>
             <a:endParaRPr lang="de-DE"/>
           </a:p>
@@ -4725,7 +4731,7 @@
           <a:p>
             <a:fld id="{EE6174D2-4521-430C-8532-AB1D75A4E29D}" type="datetimeFigureOut">
               <a:rPr lang="de-DE" smtClean="0"/>
-              <a:t>03.12.2020</a:t>
+              <a:t>09.12.2020</a:t>
             </a:fld>
             <a:endParaRPr lang="de-DE"/>
           </a:p>
@@ -5008,7 +5014,7 @@
           <a:p>
             <a:fld id="{EE6174D2-4521-430C-8532-AB1D75A4E29D}" type="datetimeFigureOut">
               <a:rPr lang="de-DE" smtClean="0"/>
-              <a:t>03.12.2020</a:t>
+              <a:t>09.12.2020</a:t>
             </a:fld>
             <a:endParaRPr lang="de-DE"/>
           </a:p>
@@ -5299,7 +5305,7 @@
           <a:p>
             <a:fld id="{EE6174D2-4521-430C-8532-AB1D75A4E29D}" type="datetimeFigureOut">
               <a:rPr lang="de-DE" smtClean="0"/>
-              <a:t>03.12.2020</a:t>
+              <a:t>09.12.2020</a:t>
             </a:fld>
             <a:endParaRPr lang="de-DE"/>
           </a:p>
@@ -5829,7 +5835,7 @@
           <a:p>
             <a:fld id="{EE6174D2-4521-430C-8532-AB1D75A4E29D}" type="datetimeFigureOut">
               <a:rPr lang="de-DE" smtClean="0"/>
-              <a:t>03.12.2020</a:t>
+              <a:t>09.12.2020</a:t>
             </a:fld>
             <a:endParaRPr lang="de-DE"/>
           </a:p>
@@ -6388,31 +6394,71 @@
               <a:t>Business Process Analyst and Software Architect [</a:t>
             </a:r>
             <a:r>
-              <a:rPr lang="en-US" sz="1400" dirty="0" err="1"/>
+              <a:rPr lang="en-US" sz="1400" dirty="0" err="1" smtClean="0"/>
               <a:t>Jakob</a:t>
             </a:r>
             <a:r>
+              <a:rPr lang="en-US" sz="1400" dirty="0" smtClean="0"/>
+              <a:t> </a:t>
+            </a:r>
+            <a:r>
+              <a:rPr lang="en-US" sz="1400" dirty="0" err="1" smtClean="0"/>
+              <a:t>Heitzmann</a:t>
+            </a:r>
+            <a:r>
+              <a:rPr lang="en-US" sz="1400" dirty="0" smtClean="0"/>
+              <a:t>]</a:t>
+            </a:r>
+            <a:endParaRPr lang="en-US" sz="1400" dirty="0"/>
+          </a:p>
+          <a:p>
+            <a:r>
               <a:rPr lang="en-US" sz="1400" dirty="0"/>
+              <a:t>Test Manager and Software Architect [</a:t>
+            </a:r>
+            <a:r>
+              <a:rPr lang="en-US" sz="1400" dirty="0" smtClean="0"/>
+              <a:t>Fabian </a:t>
+            </a:r>
+            <a:r>
+              <a:rPr lang="en-US" sz="1400" dirty="0" err="1" smtClean="0"/>
+              <a:t>Hepke</a:t>
+            </a:r>
+            <a:r>
+              <a:rPr lang="en-US" sz="1400" dirty="0" smtClean="0"/>
               <a:t>]</a:t>
             </a:r>
+            <a:endParaRPr lang="en-US" sz="1400" dirty="0"/>
           </a:p>
           <a:p>
             <a:r>
               <a:rPr lang="en-US" sz="1400" dirty="0"/>
-              <a:t>Test Manager and Software Architect [Fabian]</a:t>
-            </a:r>
+              <a:t>Configuration and Change Manager [</a:t>
+            </a:r>
+            <a:r>
+              <a:rPr lang="en-US" sz="1400" dirty="0" smtClean="0"/>
+              <a:t>Yann </a:t>
+            </a:r>
+            <a:r>
+              <a:rPr lang="en-US" sz="1400" dirty="0" err="1" smtClean="0"/>
+              <a:t>Dambrowski</a:t>
+            </a:r>
+            <a:r>
+              <a:rPr lang="en-US" sz="1400" dirty="0" smtClean="0"/>
+              <a:t>]</a:t>
+            </a:r>
+            <a:endParaRPr lang="en-US" sz="1400" dirty="0"/>
           </a:p>
           <a:p>
             <a:r>
               <a:rPr lang="en-US" sz="1400" dirty="0"/>
-              <a:t>Configuration and Change Manager [Yann]</a:t>
-            </a:r>
-          </a:p>
-          <a:p>
-            <a:r>
-              <a:rPr lang="en-US" sz="1400" dirty="0"/>
-              <a:t>Project Manager [Joel]</a:t>
-            </a:r>
+              <a:t>Project Manager [</a:t>
+            </a:r>
+            <a:r>
+              <a:rPr lang="en-US" sz="1400" dirty="0" smtClean="0"/>
+              <a:t>Joel Bär]</a:t>
+            </a:r>
+            <a:endParaRPr lang="en-US" sz="1400" dirty="0"/>
           </a:p>
           <a:p>
             <a:endParaRPr lang="de-DE" dirty="0"/>
@@ -6530,6 +6576,121 @@
   <p:clrMapOvr>
     <a:masterClrMapping/>
   </p:clrMapOvr>
+  <p:timing>
+    <p:tnLst>
+      <p:par>
+        <p:cTn id="1" dur="indefinite" restart="never" nodeType="tmRoot"/>
+      </p:par>
+    </p:tnLst>
+  </p:timing>
+</p:sld>
+</file>
+
+<file path=ppt/slides/slide11.xml><?xml version="1.0" encoding="utf-8"?>
+<p:sld xmlns:a="http://schemas.openxmlformats.org/drawingml/2006/main" xmlns:r="http://schemas.openxmlformats.org/officeDocument/2006/relationships" xmlns:p="http://schemas.openxmlformats.org/presentationml/2006/main">
+  <p:cSld>
+    <p:spTree>
+      <p:nvGrpSpPr>
+        <p:cNvPr id="1" name=""/>
+        <p:cNvGrpSpPr/>
+        <p:nvPr/>
+      </p:nvGrpSpPr>
+      <p:grpSpPr>
+        <a:xfrm>
+          <a:off x="0" y="0"/>
+          <a:ext cx="0" cy="0"/>
+          <a:chOff x="0" y="0"/>
+          <a:chExt cx="0" cy="0"/>
+        </a:xfrm>
+      </p:grpSpPr>
+      <p:sp>
+        <p:nvSpPr>
+          <p:cNvPr id="2" name="Titel 1"/>
+          <p:cNvSpPr>
+            <a:spLocks noGrp="1"/>
+          </p:cNvSpPr>
+          <p:nvPr>
+            <p:ph type="title"/>
+          </p:nvPr>
+        </p:nvSpPr>
+        <p:spPr/>
+        <p:txBody>
+          <a:bodyPr/>
+          <a:lstStyle/>
+          <a:p>
+            <a:r>
+              <a:rPr lang="de-DE" u="sng" dirty="0" err="1" smtClean="0">
+                <a:solidFill>
+                  <a:srgbClr val="595959"/>
+                </a:solidFill>
+              </a:rPr>
+              <a:t>Construction</a:t>
+            </a:r>
+            <a:endParaRPr lang="de-DE" u="sng" dirty="0">
+              <a:solidFill>
+                <a:srgbClr val="595959"/>
+              </a:solidFill>
+            </a:endParaRPr>
+          </a:p>
+        </p:txBody>
+      </p:sp>
+      <p:sp>
+        <p:nvSpPr>
+          <p:cNvPr id="3" name="Inhaltsplatzhalter 2"/>
+          <p:cNvSpPr>
+            <a:spLocks noGrp="1"/>
+          </p:cNvSpPr>
+          <p:nvPr>
+            <p:ph idx="1"/>
+          </p:nvPr>
+        </p:nvSpPr>
+        <p:spPr>
+          <a:xfrm>
+            <a:off x="5135173" y="2438399"/>
+            <a:ext cx="2716987" cy="1556951"/>
+          </a:xfrm>
+        </p:spPr>
+        <p:txBody>
+          <a:bodyPr/>
+          <a:lstStyle/>
+          <a:p>
+            <a:pPr marL="0" indent="0" algn="ctr">
+              <a:buNone/>
+            </a:pPr>
+            <a:r>
+              <a:rPr lang="de-DE" dirty="0" smtClean="0">
+                <a:solidFill>
+                  <a:srgbClr val="595959"/>
+                </a:solidFill>
+              </a:rPr>
+              <a:t>Technical </a:t>
+            </a:r>
+            <a:r>
+              <a:rPr lang="de-DE" dirty="0" err="1" smtClean="0">
+                <a:solidFill>
+                  <a:srgbClr val="595959"/>
+                </a:solidFill>
+              </a:rPr>
+              <a:t>abilitys</a:t>
+            </a:r>
+            <a:endParaRPr lang="de-DE" dirty="0">
+              <a:solidFill>
+                <a:srgbClr val="595959"/>
+              </a:solidFill>
+            </a:endParaRPr>
+          </a:p>
+        </p:txBody>
+      </p:sp>
+    </p:spTree>
+    <p:extLst>
+      <p:ext uri="{BB962C8B-B14F-4D97-AF65-F5344CB8AC3E}">
+        <p14:creationId xmlns:p14="http://schemas.microsoft.com/office/powerpoint/2010/main" val="3793259168"/>
+      </p:ext>
+    </p:extLst>
+  </p:cSld>
+  <p:clrMapOvr>
+    <a:masterClrMapping/>
+  </p:clrMapOvr>
 </p:sld>
 </file>
 
@@ -6617,7 +6778,7 @@
         </p:nvSpPr>
         <p:spPr>
           <a:xfrm>
-            <a:off x="2294992" y="2438399"/>
+            <a:off x="1559200" y="2180966"/>
             <a:ext cx="2824079" cy="3124201"/>
           </a:xfrm>
         </p:spPr>
@@ -6650,38 +6811,6 @@
           <a:p>
             <a:pPr lvl="1"/>
             <a:r>
-              <a:rPr lang="de-DE" sz="1400" dirty="0" err="1" smtClean="0">
-                <a:solidFill>
-                  <a:srgbClr val="595959"/>
-                </a:solidFill>
-              </a:rPr>
-              <a:t>Use</a:t>
-            </a:r>
-            <a:r>
-              <a:rPr lang="de-DE" sz="1400" dirty="0" smtClean="0">
-                <a:solidFill>
-                  <a:srgbClr val="595959"/>
-                </a:solidFill>
-              </a:rPr>
-              <a:t> </a:t>
-            </a:r>
-            <a:r>
-              <a:rPr lang="de-DE" sz="1400" dirty="0" err="1" smtClean="0">
-                <a:solidFill>
-                  <a:srgbClr val="595959"/>
-                </a:solidFill>
-              </a:rPr>
-              <a:t>cases</a:t>
-            </a:r>
-            <a:endParaRPr lang="de-DE" sz="1400" dirty="0" smtClean="0">
-              <a:solidFill>
-                <a:srgbClr val="595959"/>
-              </a:solidFill>
-            </a:endParaRPr>
-          </a:p>
-          <a:p>
-            <a:pPr lvl="1"/>
-            <a:r>
               <a:rPr lang="de-DE" sz="1400" dirty="0" smtClean="0">
                 <a:solidFill>
                   <a:srgbClr val="595959"/>
@@ -6689,11 +6818,6 @@
               </a:rPr>
               <a:t>SRS</a:t>
             </a:r>
-            <a:endParaRPr lang="de-DE" sz="1400" dirty="0" smtClean="0">
-              <a:solidFill>
-                <a:srgbClr val="595959"/>
-              </a:solidFill>
-            </a:endParaRPr>
           </a:p>
         </p:txBody>
       </p:sp>
@@ -6707,8 +6831,8 @@
         </p:nvSpPr>
         <p:spPr>
           <a:xfrm>
-            <a:off x="3932447" y="2438399"/>
-            <a:ext cx="2824079" cy="3031526"/>
+            <a:off x="2971239" y="2333368"/>
+            <a:ext cx="2824079" cy="3076831"/>
           </a:xfrm>
           <a:prstGeom prst="rect">
             <a:avLst/>
@@ -6979,7 +7103,7 @@
           <a:p>
             <a:pPr lvl="2"/>
             <a:r>
-              <a:rPr lang="de-DE" sz="1200" dirty="0" smtClean="0">
+              <a:rPr lang="de-DE" sz="1400" dirty="0" smtClean="0">
                 <a:solidFill>
                   <a:srgbClr val="595959"/>
                 </a:solidFill>
@@ -6990,14 +7114,14 @@
           <a:p>
             <a:pPr lvl="2"/>
             <a:r>
-              <a:rPr lang="de-DE" sz="1200" dirty="0" err="1" smtClean="0">
+              <a:rPr lang="de-DE" sz="1400" dirty="0" err="1" smtClean="0">
                 <a:solidFill>
                   <a:srgbClr val="595959"/>
                 </a:solidFill>
               </a:rPr>
               <a:t>Scrum</a:t>
             </a:r>
-            <a:endParaRPr lang="de-DE" sz="1200" dirty="0" smtClean="0">
+            <a:endParaRPr lang="de-DE" sz="1400" dirty="0" smtClean="0">
               <a:solidFill>
                 <a:srgbClr val="595959"/>
               </a:solidFill>
@@ -7015,8 +7139,8 @@
         </p:nvSpPr>
         <p:spPr>
           <a:xfrm>
-            <a:off x="6305695" y="2180966"/>
-            <a:ext cx="2824079" cy="3124201"/>
+            <a:off x="8536283" y="1981196"/>
+            <a:ext cx="2824079" cy="3181864"/>
           </a:xfrm>
           <a:prstGeom prst="rect">
             <a:avLst/>
@@ -7323,7 +7447,7 @@
         </p:nvSpPr>
         <p:spPr>
           <a:xfrm>
-            <a:off x="8085633" y="2088288"/>
+            <a:off x="6866620" y="1968835"/>
             <a:ext cx="2824079" cy="3093309"/>
           </a:xfrm>
           <a:prstGeom prst="rect">
@@ -7581,11 +7705,285 @@
               </a:rPr>
               <a:t>VCS (GIT)</a:t>
             </a:r>
-            <a:endParaRPr lang="de-DE" sz="1400" dirty="0" smtClean="0">
-              <a:solidFill>
-                <a:srgbClr val="595959"/>
-              </a:solidFill>
-            </a:endParaRPr>
+          </a:p>
+        </p:txBody>
+      </p:sp>
+      <p:sp>
+        <p:nvSpPr>
+          <p:cNvPr id="7" name="Inhaltsplatzhalter 2"/>
+          <p:cNvSpPr txBox="1">
+            <a:spLocks/>
+          </p:cNvSpPr>
+          <p:nvPr/>
+        </p:nvSpPr>
+        <p:spPr>
+          <a:xfrm>
+            <a:off x="5196957" y="1981196"/>
+            <a:ext cx="2824079" cy="3124201"/>
+          </a:xfrm>
+          <a:prstGeom prst="rect">
+            <a:avLst/>
+          </a:prstGeom>
+        </p:spPr>
+        <p:txBody>
+          <a:bodyPr vert="horz" lIns="91440" tIns="45720" rIns="91440" bIns="45720" rtlCol="0" anchor="ctr">
+            <a:noAutofit/>
+          </a:bodyPr>
+          <a:lstStyle>
+            <a:lvl1pPr marL="285750" indent="-285750" algn="l" defTabSz="457200" rtl="0" eaLnBrk="1" latinLnBrk="0" hangingPunct="1">
+              <a:spcBef>
+                <a:spcPct val="20000"/>
+              </a:spcBef>
+              <a:spcAft>
+                <a:spcPts val="600"/>
+              </a:spcAft>
+              <a:buClr>
+                <a:schemeClr val="accent1">
+                  <a:lumMod val="75000"/>
+                </a:schemeClr>
+              </a:buClr>
+              <a:buSzPct val="145000"/>
+              <a:buFont typeface="Arial"/>
+              <a:buChar char="•"/>
+              <a:defRPr sz="2400" kern="1200" cap="none">
+                <a:solidFill>
+                  <a:schemeClr val="tx1"/>
+                </a:solidFill>
+                <a:effectLst/>
+                <a:latin typeface="+mn-lt"/>
+                <a:ea typeface="+mn-ea"/>
+                <a:cs typeface="+mn-cs"/>
+              </a:defRPr>
+            </a:lvl1pPr>
+            <a:lvl2pPr marL="742950" indent="-285750" algn="l" defTabSz="457200" rtl="0" eaLnBrk="1" latinLnBrk="0" hangingPunct="1">
+              <a:spcBef>
+                <a:spcPct val="20000"/>
+              </a:spcBef>
+              <a:spcAft>
+                <a:spcPts val="600"/>
+              </a:spcAft>
+              <a:buClr>
+                <a:schemeClr val="accent1">
+                  <a:lumMod val="75000"/>
+                </a:schemeClr>
+              </a:buClr>
+              <a:buSzPct val="145000"/>
+              <a:buFont typeface="Arial"/>
+              <a:buChar char="•"/>
+              <a:defRPr sz="2000" kern="1200" cap="none">
+                <a:solidFill>
+                  <a:schemeClr val="tx1"/>
+                </a:solidFill>
+                <a:effectLst/>
+                <a:latin typeface="+mn-lt"/>
+                <a:ea typeface="+mn-ea"/>
+                <a:cs typeface="+mn-cs"/>
+              </a:defRPr>
+            </a:lvl2pPr>
+            <a:lvl3pPr marL="1200150" indent="-285750" algn="l" defTabSz="457200" rtl="0" eaLnBrk="1" latinLnBrk="0" hangingPunct="1">
+              <a:spcBef>
+                <a:spcPct val="20000"/>
+              </a:spcBef>
+              <a:spcAft>
+                <a:spcPts val="600"/>
+              </a:spcAft>
+              <a:buClr>
+                <a:schemeClr val="accent1">
+                  <a:lumMod val="75000"/>
+                </a:schemeClr>
+              </a:buClr>
+              <a:buSzPct val="145000"/>
+              <a:buFont typeface="Arial"/>
+              <a:buChar char="•"/>
+              <a:defRPr sz="1800" kern="1200" cap="none">
+                <a:solidFill>
+                  <a:schemeClr val="tx1"/>
+                </a:solidFill>
+                <a:effectLst/>
+                <a:latin typeface="+mn-lt"/>
+                <a:ea typeface="+mn-ea"/>
+                <a:cs typeface="+mn-cs"/>
+              </a:defRPr>
+            </a:lvl3pPr>
+            <a:lvl4pPr marL="1543050" indent="-171450" algn="l" defTabSz="457200" rtl="0" eaLnBrk="1" latinLnBrk="0" hangingPunct="1">
+              <a:spcBef>
+                <a:spcPct val="20000"/>
+              </a:spcBef>
+              <a:spcAft>
+                <a:spcPts val="600"/>
+              </a:spcAft>
+              <a:buClr>
+                <a:schemeClr val="accent1">
+                  <a:lumMod val="75000"/>
+                </a:schemeClr>
+              </a:buClr>
+              <a:buSzPct val="145000"/>
+              <a:buFont typeface="Arial"/>
+              <a:buChar char="•"/>
+              <a:defRPr sz="1600" kern="1200" cap="none">
+                <a:solidFill>
+                  <a:schemeClr val="tx1"/>
+                </a:solidFill>
+                <a:effectLst/>
+                <a:latin typeface="+mn-lt"/>
+                <a:ea typeface="+mn-ea"/>
+                <a:cs typeface="+mn-cs"/>
+              </a:defRPr>
+            </a:lvl4pPr>
+            <a:lvl5pPr marL="2000250" indent="-171450" algn="l" defTabSz="457200" rtl="0" eaLnBrk="1" latinLnBrk="0" hangingPunct="1">
+              <a:spcBef>
+                <a:spcPct val="20000"/>
+              </a:spcBef>
+              <a:spcAft>
+                <a:spcPts val="600"/>
+              </a:spcAft>
+              <a:buClr>
+                <a:schemeClr val="accent1">
+                  <a:lumMod val="75000"/>
+                </a:schemeClr>
+              </a:buClr>
+              <a:buSzPct val="145000"/>
+              <a:buFont typeface="Arial"/>
+              <a:buChar char="•"/>
+              <a:defRPr sz="1400" kern="1200" cap="none">
+                <a:solidFill>
+                  <a:schemeClr val="tx1"/>
+                </a:solidFill>
+                <a:effectLst/>
+                <a:latin typeface="+mn-lt"/>
+                <a:ea typeface="+mn-ea"/>
+                <a:cs typeface="+mn-cs"/>
+              </a:defRPr>
+            </a:lvl5pPr>
+            <a:lvl6pPr marL="2514600" indent="-228600" algn="l" defTabSz="457200" rtl="0" eaLnBrk="1" latinLnBrk="0" hangingPunct="1">
+              <a:spcBef>
+                <a:spcPct val="20000"/>
+              </a:spcBef>
+              <a:spcAft>
+                <a:spcPts val="600"/>
+              </a:spcAft>
+              <a:buClr>
+                <a:schemeClr val="accent1">
+                  <a:lumMod val="75000"/>
+                </a:schemeClr>
+              </a:buClr>
+              <a:buSzPct val="145000"/>
+              <a:buFont typeface="Arial"/>
+              <a:buChar char="•"/>
+              <a:defRPr sz="1400" kern="1200" cap="none">
+                <a:solidFill>
+                  <a:schemeClr val="tx1"/>
+                </a:solidFill>
+                <a:effectLst/>
+                <a:latin typeface="+mn-lt"/>
+                <a:ea typeface="+mn-ea"/>
+                <a:cs typeface="+mn-cs"/>
+              </a:defRPr>
+            </a:lvl6pPr>
+            <a:lvl7pPr marL="2971800" indent="-228600" algn="l" defTabSz="457200" rtl="0" eaLnBrk="1" latinLnBrk="0" hangingPunct="1">
+              <a:spcBef>
+                <a:spcPct val="20000"/>
+              </a:spcBef>
+              <a:spcAft>
+                <a:spcPts val="600"/>
+              </a:spcAft>
+              <a:buClr>
+                <a:schemeClr val="accent1">
+                  <a:lumMod val="75000"/>
+                </a:schemeClr>
+              </a:buClr>
+              <a:buSzPct val="145000"/>
+              <a:buFont typeface="Arial"/>
+              <a:buChar char="•"/>
+              <a:defRPr sz="1400" kern="1200" cap="none">
+                <a:solidFill>
+                  <a:schemeClr val="tx1"/>
+                </a:solidFill>
+                <a:effectLst/>
+                <a:latin typeface="+mn-lt"/>
+                <a:ea typeface="+mn-ea"/>
+                <a:cs typeface="+mn-cs"/>
+              </a:defRPr>
+            </a:lvl7pPr>
+            <a:lvl8pPr marL="3429000" indent="-228600" algn="l" defTabSz="457200" rtl="0" eaLnBrk="1" latinLnBrk="0" hangingPunct="1">
+              <a:spcBef>
+                <a:spcPct val="20000"/>
+              </a:spcBef>
+              <a:spcAft>
+                <a:spcPts val="600"/>
+              </a:spcAft>
+              <a:buClr>
+                <a:schemeClr val="accent1">
+                  <a:lumMod val="75000"/>
+                </a:schemeClr>
+              </a:buClr>
+              <a:buSzPct val="145000"/>
+              <a:buFont typeface="Arial"/>
+              <a:buChar char="•"/>
+              <a:defRPr sz="1400" kern="1200" cap="none">
+                <a:solidFill>
+                  <a:schemeClr val="tx1"/>
+                </a:solidFill>
+                <a:effectLst/>
+                <a:latin typeface="+mn-lt"/>
+                <a:ea typeface="+mn-ea"/>
+                <a:cs typeface="+mn-cs"/>
+              </a:defRPr>
+            </a:lvl8pPr>
+            <a:lvl9pPr marL="3886200" indent="-228600" algn="l" defTabSz="457200" rtl="0" eaLnBrk="1" latinLnBrk="0" hangingPunct="1">
+              <a:spcBef>
+                <a:spcPct val="20000"/>
+              </a:spcBef>
+              <a:spcAft>
+                <a:spcPts val="600"/>
+              </a:spcAft>
+              <a:buClr>
+                <a:schemeClr val="accent1">
+                  <a:lumMod val="75000"/>
+                </a:schemeClr>
+              </a:buClr>
+              <a:buSzPct val="145000"/>
+              <a:buFont typeface="Arial"/>
+              <a:buChar char="•"/>
+              <a:defRPr sz="1400" kern="1200" cap="none">
+                <a:solidFill>
+                  <a:schemeClr val="tx1"/>
+                </a:solidFill>
+                <a:effectLst/>
+                <a:latin typeface="+mn-lt"/>
+                <a:ea typeface="+mn-ea"/>
+                <a:cs typeface="+mn-cs"/>
+              </a:defRPr>
+            </a:lvl9pPr>
+          </a:lstStyle>
+          <a:p>
+            <a:r>
+              <a:rPr lang="de-DE" sz="1600" dirty="0" smtClean="0">
+                <a:solidFill>
+                  <a:srgbClr val="595959"/>
+                </a:solidFill>
+              </a:rPr>
+              <a:t>Elaboration</a:t>
+            </a:r>
+          </a:p>
+          <a:p>
+            <a:pPr lvl="1"/>
+            <a:r>
+              <a:rPr lang="de-DE" sz="1400" dirty="0" err="1" smtClean="0">
+                <a:solidFill>
+                  <a:srgbClr val="595959"/>
+                </a:solidFill>
+              </a:rPr>
+              <a:t>Use</a:t>
+            </a:r>
+            <a:r>
+              <a:rPr lang="de-DE" sz="1400" dirty="0" smtClean="0">
+                <a:solidFill>
+                  <a:srgbClr val="595959"/>
+                </a:solidFill>
+              </a:rPr>
+              <a:t> Cases</a:t>
+            </a:r>
           </a:p>
         </p:txBody>
       </p:sp>
@@ -7667,68 +8065,15 @@
             <p:ph idx="1"/>
           </p:nvPr>
         </p:nvSpPr>
-        <p:spPr/>
+        <p:spPr>
+          <a:xfrm>
+            <a:off x="1484310" y="2133599"/>
+            <a:ext cx="10018713" cy="3124201"/>
+          </a:xfrm>
+        </p:spPr>
         <p:txBody>
           <a:bodyPr/>
           <a:lstStyle/>
-          <a:p>
-            <a:r>
-              <a:rPr lang="de-DE" dirty="0" smtClean="0">
-                <a:solidFill>
-                  <a:srgbClr val="707070"/>
-                </a:solidFill>
-              </a:rPr>
-              <a:t>Most </a:t>
-            </a:r>
-            <a:r>
-              <a:rPr lang="de-DE" dirty="0" err="1" smtClean="0">
-                <a:solidFill>
-                  <a:srgbClr val="707070"/>
-                </a:solidFill>
-              </a:rPr>
-              <a:t>important</a:t>
-            </a:r>
-            <a:r>
-              <a:rPr lang="de-DE" dirty="0" smtClean="0">
-                <a:solidFill>
-                  <a:srgbClr val="707070"/>
-                </a:solidFill>
-              </a:rPr>
-              <a:t> </a:t>
-            </a:r>
-            <a:r>
-              <a:rPr lang="de-DE" dirty="0" err="1" smtClean="0">
-                <a:solidFill>
-                  <a:srgbClr val="707070"/>
-                </a:solidFill>
-              </a:rPr>
-              <a:t>instance</a:t>
-            </a:r>
-            <a:r>
-              <a:rPr lang="de-DE" dirty="0" smtClean="0">
-                <a:solidFill>
-                  <a:srgbClr val="707070"/>
-                </a:solidFill>
-              </a:rPr>
-              <a:t> in </a:t>
-            </a:r>
-            <a:r>
-              <a:rPr lang="de-DE" dirty="0" err="1" smtClean="0">
-                <a:solidFill>
-                  <a:srgbClr val="707070"/>
-                </a:solidFill>
-              </a:rPr>
-              <a:t>company</a:t>
-            </a:r>
-            <a:r>
-              <a:rPr lang="de-DE" dirty="0" smtClean="0">
-                <a:solidFill>
-                  <a:srgbClr val="707070"/>
-                </a:solidFill>
-              </a:rPr>
-              <a:t>?</a:t>
-            </a:r>
-          </a:p>
           <a:p>
             <a:r>
               <a:rPr lang="de-DE" dirty="0" smtClean="0">
@@ -7783,7 +8128,7 @@
                   <a:srgbClr val="707070"/>
                 </a:solidFill>
               </a:rPr>
-              <a:t>employees</a:t>
+              <a:t>people</a:t>
             </a:r>
             <a:endParaRPr lang="de-DE" dirty="0" smtClean="0">
               <a:solidFill>
@@ -7793,12 +8138,20 @@
           </a:p>
           <a:p>
             <a:r>
+              <a:rPr lang="en-US" dirty="0" smtClean="0">
+                <a:solidFill>
+                  <a:srgbClr val="707070"/>
+                </a:solidFill>
+              </a:rPr>
+              <a:t>“</a:t>
+            </a:r>
+            <a:r>
               <a:rPr lang="en-US" dirty="0">
                 <a:solidFill>
                   <a:srgbClr val="707070"/>
                 </a:solidFill>
               </a:rPr>
-              <a:t>“Find people that have the same kind of humor as you and you will never be alone</a:t>
+              <a:t>Find people that have the same kind of humor as you and you will never be alone</a:t>
             </a:r>
             <a:r>
               <a:rPr lang="en-US" dirty="0" smtClean="0">
@@ -7884,6 +8237,567 @@
                   <a:srgbClr val="595959"/>
                 </a:solidFill>
               </a:rPr>
+              <a:t>Elaboration: SRS</a:t>
+            </a:r>
+            <a:endParaRPr lang="de-DE" u="sng" dirty="0">
+              <a:solidFill>
+                <a:srgbClr val="595959"/>
+              </a:solidFill>
+            </a:endParaRPr>
+          </a:p>
+        </p:txBody>
+      </p:sp>
+      <p:sp>
+        <p:nvSpPr>
+          <p:cNvPr id="3" name="Inhaltsplatzhalter 2"/>
+          <p:cNvSpPr>
+            <a:spLocks noGrp="1"/>
+          </p:cNvSpPr>
+          <p:nvPr>
+            <p:ph idx="1"/>
+          </p:nvPr>
+        </p:nvSpPr>
+        <p:spPr>
+          <a:xfrm>
+            <a:off x="2190146" y="1812323"/>
+            <a:ext cx="8607041" cy="3124201"/>
+          </a:xfrm>
+        </p:spPr>
+        <p:txBody>
+          <a:bodyPr/>
+          <a:lstStyle/>
+          <a:p>
+            <a:pPr marL="0" indent="0">
+              <a:buNone/>
+            </a:pPr>
+            <a:r>
+              <a:rPr lang="de-DE" dirty="0">
+                <a:hlinkClick r:id="rId2"/>
+              </a:rPr>
+              <a:t>https://github.com/BaerJoel/Doc-MemeVZ/blob/gh-pages/SRS.md</a:t>
+            </a:r>
+            <a:endParaRPr lang="de-DE" dirty="0"/>
+          </a:p>
+        </p:txBody>
+      </p:sp>
+    </p:spTree>
+    <p:extLst>
+      <p:ext uri="{BB962C8B-B14F-4D97-AF65-F5344CB8AC3E}">
+        <p14:creationId xmlns:p14="http://schemas.microsoft.com/office/powerpoint/2010/main" val="4164782343"/>
+      </p:ext>
+    </p:extLst>
+  </p:cSld>
+  <p:clrMapOvr>
+    <a:masterClrMapping/>
+  </p:clrMapOvr>
+  <p:timing>
+    <p:tnLst>
+      <p:par>
+        <p:cTn id="1" dur="indefinite" restart="never" nodeType="tmRoot"/>
+      </p:par>
+    </p:tnLst>
+  </p:timing>
+</p:sld>
+</file>
+
+<file path=ppt/slides/slide5.xml><?xml version="1.0" encoding="utf-8"?>
+<p:sld xmlns:a="http://schemas.openxmlformats.org/drawingml/2006/main" xmlns:r="http://schemas.openxmlformats.org/officeDocument/2006/relationships" xmlns:p="http://schemas.openxmlformats.org/presentationml/2006/main">
+  <p:cSld>
+    <p:spTree>
+      <p:nvGrpSpPr>
+        <p:cNvPr id="1" name=""/>
+        <p:cNvGrpSpPr/>
+        <p:nvPr/>
+      </p:nvGrpSpPr>
+      <p:grpSpPr>
+        <a:xfrm>
+          <a:off x="0" y="0"/>
+          <a:ext cx="0" cy="0"/>
+          <a:chOff x="0" y="0"/>
+          <a:chExt cx="0" cy="0"/>
+        </a:xfrm>
+      </p:grpSpPr>
+      <p:sp>
+        <p:nvSpPr>
+          <p:cNvPr id="2" name="Titel 1"/>
+          <p:cNvSpPr>
+            <a:spLocks noGrp="1"/>
+          </p:cNvSpPr>
+          <p:nvPr>
+            <p:ph type="title"/>
+          </p:nvPr>
+        </p:nvSpPr>
+        <p:spPr/>
+        <p:txBody>
+          <a:bodyPr/>
+          <a:lstStyle/>
+          <a:p>
+            <a:r>
+              <a:rPr lang="de-DE" u="sng" dirty="0" err="1" smtClean="0">
+                <a:solidFill>
+                  <a:srgbClr val="595959"/>
+                </a:solidFill>
+              </a:rPr>
+              <a:t>Projectmanagement</a:t>
+            </a:r>
+            <a:r>
+              <a:rPr lang="de-DE" u="sng" dirty="0" smtClean="0">
+                <a:solidFill>
+                  <a:srgbClr val="595959"/>
+                </a:solidFill>
+              </a:rPr>
+              <a:t>: Kanban</a:t>
+            </a:r>
+            <a:endParaRPr lang="de-DE" u="sng" dirty="0">
+              <a:solidFill>
+                <a:srgbClr val="595959"/>
+              </a:solidFill>
+            </a:endParaRPr>
+          </a:p>
+        </p:txBody>
+      </p:sp>
+      <p:pic>
+        <p:nvPicPr>
+          <p:cNvPr id="4" name="Inhaltsplatzhalter 3"/>
+          <p:cNvPicPr>
+            <a:picLocks noGrp="1" noChangeAspect="1"/>
+          </p:cNvPicPr>
+          <p:nvPr>
+            <p:ph idx="1"/>
+          </p:nvPr>
+        </p:nvPicPr>
+        <p:blipFill>
+          <a:blip r:embed="rId2"/>
+          <a:stretch>
+            <a:fillRect/>
+          </a:stretch>
+        </p:blipFill>
+        <p:spPr>
+          <a:xfrm>
+            <a:off x="1484311" y="2438399"/>
+            <a:ext cx="10018712" cy="2465664"/>
+          </a:xfrm>
+          <a:prstGeom prst="rect">
+            <a:avLst/>
+          </a:prstGeom>
+        </p:spPr>
+      </p:pic>
+    </p:spTree>
+    <p:extLst>
+      <p:ext uri="{BB962C8B-B14F-4D97-AF65-F5344CB8AC3E}">
+        <p14:creationId xmlns:p14="http://schemas.microsoft.com/office/powerpoint/2010/main" val="2366430408"/>
+      </p:ext>
+    </p:extLst>
+  </p:cSld>
+  <p:clrMapOvr>
+    <a:masterClrMapping/>
+  </p:clrMapOvr>
+  <p:timing>
+    <p:tnLst>
+      <p:par>
+        <p:cTn id="1" dur="indefinite" restart="never" nodeType="tmRoot"/>
+      </p:par>
+    </p:tnLst>
+  </p:timing>
+</p:sld>
+</file>
+
+<file path=ppt/slides/slide6.xml><?xml version="1.0" encoding="utf-8"?>
+<p:sld xmlns:a="http://schemas.openxmlformats.org/drawingml/2006/main" xmlns:r="http://schemas.openxmlformats.org/officeDocument/2006/relationships" xmlns:p="http://schemas.openxmlformats.org/presentationml/2006/main">
+  <p:cSld>
+    <p:spTree>
+      <p:nvGrpSpPr>
+        <p:cNvPr id="1" name=""/>
+        <p:cNvGrpSpPr/>
+        <p:nvPr/>
+      </p:nvGrpSpPr>
+      <p:grpSpPr>
+        <a:xfrm>
+          <a:off x="0" y="0"/>
+          <a:ext cx="0" cy="0"/>
+          <a:chOff x="0" y="0"/>
+          <a:chExt cx="0" cy="0"/>
+        </a:xfrm>
+      </p:grpSpPr>
+      <p:sp>
+        <p:nvSpPr>
+          <p:cNvPr id="2" name="Titel 1"/>
+          <p:cNvSpPr>
+            <a:spLocks noGrp="1"/>
+          </p:cNvSpPr>
+          <p:nvPr>
+            <p:ph type="title"/>
+          </p:nvPr>
+        </p:nvSpPr>
+        <p:spPr/>
+        <p:txBody>
+          <a:bodyPr/>
+          <a:lstStyle/>
+          <a:p>
+            <a:r>
+              <a:rPr lang="de-DE" u="sng" dirty="0" err="1" smtClean="0">
+                <a:solidFill>
+                  <a:srgbClr val="595959"/>
+                </a:solidFill>
+              </a:rPr>
+              <a:t>Projectmanagement</a:t>
+            </a:r>
+            <a:r>
+              <a:rPr lang="de-DE" u="sng" dirty="0" smtClean="0">
+                <a:solidFill>
+                  <a:srgbClr val="595959"/>
+                </a:solidFill>
+              </a:rPr>
+              <a:t>: </a:t>
+            </a:r>
+            <a:r>
+              <a:rPr lang="de-DE" u="sng" dirty="0" err="1" smtClean="0">
+                <a:solidFill>
+                  <a:srgbClr val="595959"/>
+                </a:solidFill>
+              </a:rPr>
+              <a:t>Scrum</a:t>
+            </a:r>
+            <a:r>
+              <a:rPr lang="de-DE" u="sng" dirty="0" smtClean="0">
+                <a:solidFill>
+                  <a:srgbClr val="595959"/>
+                </a:solidFill>
+              </a:rPr>
+              <a:t> - Elaboration</a:t>
+            </a:r>
+            <a:endParaRPr lang="de-DE" u="sng" dirty="0">
+              <a:solidFill>
+                <a:srgbClr val="595959"/>
+              </a:solidFill>
+            </a:endParaRPr>
+          </a:p>
+        </p:txBody>
+      </p:sp>
+      <p:pic>
+        <p:nvPicPr>
+          <p:cNvPr id="4" name="Inhaltsplatzhalter 3"/>
+          <p:cNvPicPr>
+            <a:picLocks noGrp="1" noChangeAspect="1"/>
+          </p:cNvPicPr>
+          <p:nvPr>
+            <p:ph idx="1"/>
+          </p:nvPr>
+        </p:nvPicPr>
+        <p:blipFill>
+          <a:blip r:embed="rId2"/>
+          <a:stretch>
+            <a:fillRect/>
+          </a:stretch>
+        </p:blipFill>
+        <p:spPr>
+          <a:xfrm>
+            <a:off x="1801336" y="2370438"/>
+            <a:ext cx="9384662" cy="3124200"/>
+          </a:xfrm>
+          <a:prstGeom prst="rect">
+            <a:avLst/>
+          </a:prstGeom>
+        </p:spPr>
+      </p:pic>
+    </p:spTree>
+    <p:extLst>
+      <p:ext uri="{BB962C8B-B14F-4D97-AF65-F5344CB8AC3E}">
+        <p14:creationId xmlns:p14="http://schemas.microsoft.com/office/powerpoint/2010/main" val="3752753268"/>
+      </p:ext>
+    </p:extLst>
+  </p:cSld>
+  <p:clrMapOvr>
+    <a:masterClrMapping/>
+  </p:clrMapOvr>
+  <p:timing>
+    <p:tnLst>
+      <p:par>
+        <p:cTn id="1" dur="indefinite" restart="never" nodeType="tmRoot"/>
+      </p:par>
+    </p:tnLst>
+  </p:timing>
+</p:sld>
+</file>
+
+<file path=ppt/slides/slide7.xml><?xml version="1.0" encoding="utf-8"?>
+<p:sld xmlns:a="http://schemas.openxmlformats.org/drawingml/2006/main" xmlns:r="http://schemas.openxmlformats.org/officeDocument/2006/relationships" xmlns:p="http://schemas.openxmlformats.org/presentationml/2006/main">
+  <p:cSld>
+    <p:spTree>
+      <p:nvGrpSpPr>
+        <p:cNvPr id="1" name=""/>
+        <p:cNvGrpSpPr/>
+        <p:nvPr/>
+      </p:nvGrpSpPr>
+      <p:grpSpPr>
+        <a:xfrm>
+          <a:off x="0" y="0"/>
+          <a:ext cx="0" cy="0"/>
+          <a:chOff x="0" y="0"/>
+          <a:chExt cx="0" cy="0"/>
+        </a:xfrm>
+      </p:grpSpPr>
+      <p:sp>
+        <p:nvSpPr>
+          <p:cNvPr id="2" name="Titel 1"/>
+          <p:cNvSpPr>
+            <a:spLocks noGrp="1"/>
+          </p:cNvSpPr>
+          <p:nvPr>
+            <p:ph type="title"/>
+          </p:nvPr>
+        </p:nvSpPr>
+        <p:spPr/>
+        <p:txBody>
+          <a:bodyPr/>
+          <a:lstStyle/>
+          <a:p>
+            <a:r>
+              <a:rPr lang="de-DE" u="sng" dirty="0" err="1" smtClean="0">
+                <a:solidFill>
+                  <a:srgbClr val="595959"/>
+                </a:solidFill>
+              </a:rPr>
+              <a:t>Projectmanagement</a:t>
+            </a:r>
+            <a:r>
+              <a:rPr lang="de-DE" u="sng" dirty="0" smtClean="0">
+                <a:solidFill>
+                  <a:srgbClr val="595959"/>
+                </a:solidFill>
+              </a:rPr>
+              <a:t>: </a:t>
+            </a:r>
+            <a:r>
+              <a:rPr lang="de-DE" u="sng" dirty="0" err="1" smtClean="0">
+                <a:solidFill>
+                  <a:srgbClr val="595959"/>
+                </a:solidFill>
+              </a:rPr>
+              <a:t>Scrum</a:t>
+            </a:r>
+            <a:r>
+              <a:rPr lang="de-DE" u="sng" dirty="0" smtClean="0">
+                <a:solidFill>
+                  <a:srgbClr val="595959"/>
+                </a:solidFill>
+              </a:rPr>
+              <a:t> - </a:t>
+            </a:r>
+            <a:r>
+              <a:rPr lang="de-DE" u="sng" dirty="0" err="1" smtClean="0">
+                <a:solidFill>
+                  <a:srgbClr val="595959"/>
+                </a:solidFill>
+              </a:rPr>
+              <a:t>Construction</a:t>
+            </a:r>
+            <a:endParaRPr lang="de-DE" u="sng" dirty="0">
+              <a:solidFill>
+                <a:srgbClr val="595959"/>
+              </a:solidFill>
+            </a:endParaRPr>
+          </a:p>
+        </p:txBody>
+      </p:sp>
+      <p:pic>
+        <p:nvPicPr>
+          <p:cNvPr id="4" name="Inhaltsplatzhalter 3"/>
+          <p:cNvPicPr>
+            <a:picLocks noGrp="1" noChangeAspect="1"/>
+          </p:cNvPicPr>
+          <p:nvPr>
+            <p:ph idx="1"/>
+          </p:nvPr>
+        </p:nvPicPr>
+        <p:blipFill>
+          <a:blip r:embed="rId2"/>
+          <a:stretch>
+            <a:fillRect/>
+          </a:stretch>
+        </p:blipFill>
+        <p:spPr>
+          <a:xfrm>
+            <a:off x="1810360" y="2438399"/>
+            <a:ext cx="9366614" cy="3124200"/>
+          </a:xfrm>
+          <a:prstGeom prst="rect">
+            <a:avLst/>
+          </a:prstGeom>
+        </p:spPr>
+      </p:pic>
+    </p:spTree>
+    <p:extLst>
+      <p:ext uri="{BB962C8B-B14F-4D97-AF65-F5344CB8AC3E}">
+        <p14:creationId xmlns:p14="http://schemas.microsoft.com/office/powerpoint/2010/main" val="2160321990"/>
+      </p:ext>
+    </p:extLst>
+  </p:cSld>
+  <p:clrMapOvr>
+    <a:masterClrMapping/>
+  </p:clrMapOvr>
+  <p:timing>
+    <p:tnLst>
+      <p:par>
+        <p:cTn id="1" dur="indefinite" restart="never" nodeType="tmRoot"/>
+      </p:par>
+    </p:tnLst>
+  </p:timing>
+</p:sld>
+</file>
+
+<file path=ppt/slides/slide8.xml><?xml version="1.0" encoding="utf-8"?>
+<p:sld xmlns:a="http://schemas.openxmlformats.org/drawingml/2006/main" xmlns:r="http://schemas.openxmlformats.org/officeDocument/2006/relationships" xmlns:p="http://schemas.openxmlformats.org/presentationml/2006/main">
+  <p:cSld>
+    <p:spTree>
+      <p:nvGrpSpPr>
+        <p:cNvPr id="1" name=""/>
+        <p:cNvGrpSpPr/>
+        <p:nvPr/>
+      </p:nvGrpSpPr>
+      <p:grpSpPr>
+        <a:xfrm>
+          <a:off x="0" y="0"/>
+          <a:ext cx="0" cy="0"/>
+          <a:chOff x="0" y="0"/>
+          <a:chExt cx="0" cy="0"/>
+        </a:xfrm>
+      </p:grpSpPr>
+      <p:sp>
+        <p:nvSpPr>
+          <p:cNvPr id="2" name="Titel 1"/>
+          <p:cNvSpPr>
+            <a:spLocks noGrp="1"/>
+          </p:cNvSpPr>
+          <p:nvPr>
+            <p:ph type="title"/>
+          </p:nvPr>
+        </p:nvSpPr>
+        <p:spPr/>
+        <p:txBody>
+          <a:bodyPr/>
+          <a:lstStyle/>
+          <a:p>
+            <a:r>
+              <a:rPr lang="de-DE" dirty="0" err="1" smtClean="0"/>
+              <a:t>Burndown</a:t>
+            </a:r>
+            <a:r>
+              <a:rPr lang="de-DE" dirty="0" smtClean="0"/>
+              <a:t>-charts</a:t>
+            </a:r>
+            <a:endParaRPr lang="de-DE" dirty="0"/>
+          </a:p>
+        </p:txBody>
+      </p:sp>
+      <p:pic>
+        <p:nvPicPr>
+          <p:cNvPr id="4" name="Inhaltsplatzhalter 3"/>
+          <p:cNvPicPr>
+            <a:picLocks noGrp="1" noChangeAspect="1"/>
+          </p:cNvPicPr>
+          <p:nvPr>
+            <p:ph idx="1"/>
+          </p:nvPr>
+        </p:nvPicPr>
+        <p:blipFill>
+          <a:blip r:embed="rId2"/>
+          <a:stretch>
+            <a:fillRect/>
+          </a:stretch>
+        </p:blipFill>
+        <p:spPr>
+          <a:xfrm>
+            <a:off x="1801338" y="2667000"/>
+            <a:ext cx="4905758" cy="1633151"/>
+          </a:xfrm>
+          <a:prstGeom prst="rect">
+            <a:avLst/>
+          </a:prstGeom>
+        </p:spPr>
+      </p:pic>
+      <p:pic>
+        <p:nvPicPr>
+          <p:cNvPr id="5" name="Inhaltsplatzhalter 3"/>
+          <p:cNvPicPr>
+            <a:picLocks noChangeAspect="1"/>
+          </p:cNvPicPr>
+          <p:nvPr/>
+        </p:nvPicPr>
+        <p:blipFill>
+          <a:blip r:embed="rId3"/>
+          <a:stretch>
+            <a:fillRect/>
+          </a:stretch>
+        </p:blipFill>
+        <p:spPr>
+          <a:xfrm>
+            <a:off x="6707096" y="3976149"/>
+            <a:ext cx="5021813" cy="1675007"/>
+          </a:xfrm>
+          <a:prstGeom prst="rect">
+            <a:avLst/>
+          </a:prstGeom>
+        </p:spPr>
+      </p:pic>
+    </p:spTree>
+    <p:extLst>
+      <p:ext uri="{BB962C8B-B14F-4D97-AF65-F5344CB8AC3E}">
+        <p14:creationId xmlns:p14="http://schemas.microsoft.com/office/powerpoint/2010/main" val="1738057555"/>
+      </p:ext>
+    </p:extLst>
+  </p:cSld>
+  <p:clrMapOvr>
+    <a:masterClrMapping/>
+  </p:clrMapOvr>
+  <p:timing>
+    <p:tnLst>
+      <p:par>
+        <p:cTn id="1" dur="indefinite" restart="never" nodeType="tmRoot"/>
+      </p:par>
+    </p:tnLst>
+  </p:timing>
+</p:sld>
+</file>
+
+<file path=ppt/slides/slide9.xml><?xml version="1.0" encoding="utf-8"?>
+<p:sld xmlns:a="http://schemas.openxmlformats.org/drawingml/2006/main" xmlns:r="http://schemas.openxmlformats.org/officeDocument/2006/relationships" xmlns:p="http://schemas.openxmlformats.org/presentationml/2006/main">
+  <p:cSld>
+    <p:spTree>
+      <p:nvGrpSpPr>
+        <p:cNvPr id="1" name=""/>
+        <p:cNvGrpSpPr/>
+        <p:nvPr/>
+      </p:nvGrpSpPr>
+      <p:grpSpPr>
+        <a:xfrm>
+          <a:off x="0" y="0"/>
+          <a:ext cx="0" cy="0"/>
+          <a:chOff x="0" y="0"/>
+          <a:chExt cx="0" cy="0"/>
+        </a:xfrm>
+      </p:grpSpPr>
+      <p:sp>
+        <p:nvSpPr>
+          <p:cNvPr id="2" name="Titel 1"/>
+          <p:cNvSpPr>
+            <a:spLocks noGrp="1"/>
+          </p:cNvSpPr>
+          <p:nvPr>
+            <p:ph type="title"/>
+          </p:nvPr>
+        </p:nvSpPr>
+        <p:spPr/>
+        <p:txBody>
+          <a:bodyPr/>
+          <a:lstStyle/>
+          <a:p>
+            <a:r>
+              <a:rPr lang="de-DE" u="sng" dirty="0" smtClean="0">
+                <a:solidFill>
+                  <a:srgbClr val="595959"/>
+                </a:solidFill>
+              </a:rPr>
               <a:t>Elaboration: </a:t>
             </a:r>
             <a:r>
@@ -7944,533 +8858,13 @@
   <p:clrMapOvr>
     <a:masterClrMapping/>
   </p:clrMapOvr>
-</p:sld>
-</file>
-
-<file path=ppt/slides/slide5.xml><?xml version="1.0" encoding="utf-8"?>
-<p:sld xmlns:a="http://schemas.openxmlformats.org/drawingml/2006/main" xmlns:r="http://schemas.openxmlformats.org/officeDocument/2006/relationships" xmlns:p="http://schemas.openxmlformats.org/presentationml/2006/main">
-  <p:cSld>
-    <p:spTree>
-      <p:nvGrpSpPr>
-        <p:cNvPr id="1" name=""/>
-        <p:cNvGrpSpPr/>
-        <p:nvPr/>
-      </p:nvGrpSpPr>
-      <p:grpSpPr>
-        <a:xfrm>
-          <a:off x="0" y="0"/>
-          <a:ext cx="0" cy="0"/>
-          <a:chOff x="0" y="0"/>
-          <a:chExt cx="0" cy="0"/>
-        </a:xfrm>
-      </p:grpSpPr>
-      <p:sp>
-        <p:nvSpPr>
-          <p:cNvPr id="2" name="Titel 1"/>
-          <p:cNvSpPr>
-            <a:spLocks noGrp="1"/>
-          </p:cNvSpPr>
-          <p:nvPr>
-            <p:ph type="title"/>
-          </p:nvPr>
-        </p:nvSpPr>
-        <p:spPr/>
-        <p:txBody>
-          <a:bodyPr/>
-          <a:lstStyle/>
-          <a:p>
-            <a:r>
-              <a:rPr lang="de-DE" u="sng" dirty="0" smtClean="0">
-                <a:solidFill>
-                  <a:srgbClr val="595959"/>
-                </a:solidFill>
-              </a:rPr>
-              <a:t>Elaboration: SRS</a:t>
-            </a:r>
-            <a:endParaRPr lang="de-DE" u="sng" dirty="0">
-              <a:solidFill>
-                <a:srgbClr val="595959"/>
-              </a:solidFill>
-            </a:endParaRPr>
-          </a:p>
-        </p:txBody>
-      </p:sp>
-      <p:sp>
-        <p:nvSpPr>
-          <p:cNvPr id="3" name="Inhaltsplatzhalter 2"/>
-          <p:cNvSpPr>
-            <a:spLocks noGrp="1"/>
-          </p:cNvSpPr>
-          <p:nvPr>
-            <p:ph idx="1"/>
-          </p:nvPr>
-        </p:nvSpPr>
-        <p:spPr>
-          <a:xfrm>
-            <a:off x="2190146" y="1812323"/>
-            <a:ext cx="8607041" cy="3124201"/>
-          </a:xfrm>
-        </p:spPr>
-        <p:txBody>
-          <a:bodyPr/>
-          <a:lstStyle/>
-          <a:p>
-            <a:pPr marL="0" indent="0">
-              <a:buNone/>
-            </a:pPr>
-            <a:r>
-              <a:rPr lang="de-DE" dirty="0">
-                <a:hlinkClick r:id="rId2"/>
-              </a:rPr>
-              <a:t>https://github.com/BaerJoel/Doc-MemeVZ/blob/gh-pages/SRS.md</a:t>
-            </a:r>
-            <a:endParaRPr lang="de-DE" dirty="0"/>
-          </a:p>
-        </p:txBody>
-      </p:sp>
-    </p:spTree>
-    <p:extLst>
-      <p:ext uri="{BB962C8B-B14F-4D97-AF65-F5344CB8AC3E}">
-        <p14:creationId xmlns:p14="http://schemas.microsoft.com/office/powerpoint/2010/main" val="4164782343"/>
-      </p:ext>
-    </p:extLst>
-  </p:cSld>
-  <p:clrMapOvr>
-    <a:masterClrMapping/>
-  </p:clrMapOvr>
-</p:sld>
-</file>
-
-<file path=ppt/slides/slide6.xml><?xml version="1.0" encoding="utf-8"?>
-<p:sld xmlns:a="http://schemas.openxmlformats.org/drawingml/2006/main" xmlns:r="http://schemas.openxmlformats.org/officeDocument/2006/relationships" xmlns:p="http://schemas.openxmlformats.org/presentationml/2006/main">
-  <p:cSld>
-    <p:spTree>
-      <p:nvGrpSpPr>
-        <p:cNvPr id="1" name=""/>
-        <p:cNvGrpSpPr/>
-        <p:nvPr/>
-      </p:nvGrpSpPr>
-      <p:grpSpPr>
-        <a:xfrm>
-          <a:off x="0" y="0"/>
-          <a:ext cx="0" cy="0"/>
-          <a:chOff x="0" y="0"/>
-          <a:chExt cx="0" cy="0"/>
-        </a:xfrm>
-      </p:grpSpPr>
-      <p:sp>
-        <p:nvSpPr>
-          <p:cNvPr id="2" name="Titel 1"/>
-          <p:cNvSpPr>
-            <a:spLocks noGrp="1"/>
-          </p:cNvSpPr>
-          <p:nvPr>
-            <p:ph type="title"/>
-          </p:nvPr>
-        </p:nvSpPr>
-        <p:spPr/>
-        <p:txBody>
-          <a:bodyPr/>
-          <a:lstStyle/>
-          <a:p>
-            <a:r>
-              <a:rPr lang="de-DE" u="sng" dirty="0" err="1" smtClean="0">
-                <a:solidFill>
-                  <a:srgbClr val="595959"/>
-                </a:solidFill>
-              </a:rPr>
-              <a:t>Projectmanagement</a:t>
-            </a:r>
-            <a:r>
-              <a:rPr lang="de-DE" u="sng" dirty="0" smtClean="0">
-                <a:solidFill>
-                  <a:srgbClr val="595959"/>
-                </a:solidFill>
-              </a:rPr>
-              <a:t>: Kanban</a:t>
-            </a:r>
-            <a:endParaRPr lang="de-DE" u="sng" dirty="0">
-              <a:solidFill>
-                <a:srgbClr val="595959"/>
-              </a:solidFill>
-            </a:endParaRPr>
-          </a:p>
-        </p:txBody>
-      </p:sp>
-      <p:pic>
-        <p:nvPicPr>
-          <p:cNvPr id="4" name="Inhaltsplatzhalter 3"/>
-          <p:cNvPicPr>
-            <a:picLocks noGrp="1" noChangeAspect="1"/>
-          </p:cNvPicPr>
-          <p:nvPr>
-            <p:ph idx="1"/>
-          </p:nvPr>
-        </p:nvPicPr>
-        <p:blipFill>
-          <a:blip r:embed="rId2"/>
-          <a:stretch>
-            <a:fillRect/>
-          </a:stretch>
-        </p:blipFill>
-        <p:spPr>
-          <a:xfrm>
-            <a:off x="1484311" y="2438399"/>
-            <a:ext cx="10018712" cy="2465664"/>
-          </a:xfrm>
-          <a:prstGeom prst="rect">
-            <a:avLst/>
-          </a:prstGeom>
-        </p:spPr>
-      </p:pic>
-    </p:spTree>
-    <p:extLst>
-      <p:ext uri="{BB962C8B-B14F-4D97-AF65-F5344CB8AC3E}">
-        <p14:creationId xmlns:p14="http://schemas.microsoft.com/office/powerpoint/2010/main" val="2366430408"/>
-      </p:ext>
-    </p:extLst>
-  </p:cSld>
-  <p:clrMapOvr>
-    <a:masterClrMapping/>
-  </p:clrMapOvr>
-</p:sld>
-</file>
-
-<file path=ppt/slides/slide7.xml><?xml version="1.0" encoding="utf-8"?>
-<p:sld xmlns:a="http://schemas.openxmlformats.org/drawingml/2006/main" xmlns:r="http://schemas.openxmlformats.org/officeDocument/2006/relationships" xmlns:p="http://schemas.openxmlformats.org/presentationml/2006/main">
-  <p:cSld>
-    <p:spTree>
-      <p:nvGrpSpPr>
-        <p:cNvPr id="1" name=""/>
-        <p:cNvGrpSpPr/>
-        <p:nvPr/>
-      </p:nvGrpSpPr>
-      <p:grpSpPr>
-        <a:xfrm>
-          <a:off x="0" y="0"/>
-          <a:ext cx="0" cy="0"/>
-          <a:chOff x="0" y="0"/>
-          <a:chExt cx="0" cy="0"/>
-        </a:xfrm>
-      </p:grpSpPr>
-      <p:sp>
-        <p:nvSpPr>
-          <p:cNvPr id="2" name="Titel 1"/>
-          <p:cNvSpPr>
-            <a:spLocks noGrp="1"/>
-          </p:cNvSpPr>
-          <p:nvPr>
-            <p:ph type="title"/>
-          </p:nvPr>
-        </p:nvSpPr>
-        <p:spPr/>
-        <p:txBody>
-          <a:bodyPr/>
-          <a:lstStyle/>
-          <a:p>
-            <a:r>
-              <a:rPr lang="de-DE" u="sng" dirty="0" err="1" smtClean="0">
-                <a:solidFill>
-                  <a:srgbClr val="595959"/>
-                </a:solidFill>
-              </a:rPr>
-              <a:t>Projectmanagement</a:t>
-            </a:r>
-            <a:r>
-              <a:rPr lang="de-DE" u="sng" dirty="0" smtClean="0">
-                <a:solidFill>
-                  <a:srgbClr val="595959"/>
-                </a:solidFill>
-              </a:rPr>
-              <a:t>: </a:t>
-            </a:r>
-            <a:r>
-              <a:rPr lang="de-DE" u="sng" dirty="0" err="1" smtClean="0">
-                <a:solidFill>
-                  <a:srgbClr val="595959"/>
-                </a:solidFill>
-              </a:rPr>
-              <a:t>Scrum</a:t>
-            </a:r>
-            <a:r>
-              <a:rPr lang="de-DE" u="sng" dirty="0" smtClean="0">
-                <a:solidFill>
-                  <a:srgbClr val="595959"/>
-                </a:solidFill>
-              </a:rPr>
-              <a:t> - Elaboration</a:t>
-            </a:r>
-            <a:endParaRPr lang="de-DE" u="sng" dirty="0">
-              <a:solidFill>
-                <a:srgbClr val="595959"/>
-              </a:solidFill>
-            </a:endParaRPr>
-          </a:p>
-        </p:txBody>
-      </p:sp>
-      <p:pic>
-        <p:nvPicPr>
-          <p:cNvPr id="4" name="Inhaltsplatzhalter 3"/>
-          <p:cNvPicPr>
-            <a:picLocks noGrp="1" noChangeAspect="1"/>
-          </p:cNvPicPr>
-          <p:nvPr>
-            <p:ph idx="1"/>
-          </p:nvPr>
-        </p:nvPicPr>
-        <p:blipFill>
-          <a:blip r:embed="rId2"/>
-          <a:stretch>
-            <a:fillRect/>
-          </a:stretch>
-        </p:blipFill>
-        <p:spPr>
-          <a:xfrm>
-            <a:off x="1801336" y="2370438"/>
-            <a:ext cx="9384662" cy="3124200"/>
-          </a:xfrm>
-          <a:prstGeom prst="rect">
-            <a:avLst/>
-          </a:prstGeom>
-        </p:spPr>
-      </p:pic>
-    </p:spTree>
-    <p:extLst>
-      <p:ext uri="{BB962C8B-B14F-4D97-AF65-F5344CB8AC3E}">
-        <p14:creationId xmlns:p14="http://schemas.microsoft.com/office/powerpoint/2010/main" val="3752753268"/>
-      </p:ext>
-    </p:extLst>
-  </p:cSld>
-  <p:clrMapOvr>
-    <a:masterClrMapping/>
-  </p:clrMapOvr>
-</p:sld>
-</file>
-
-<file path=ppt/slides/slide8.xml><?xml version="1.0" encoding="utf-8"?>
-<p:sld xmlns:a="http://schemas.openxmlformats.org/drawingml/2006/main" xmlns:r="http://schemas.openxmlformats.org/officeDocument/2006/relationships" xmlns:p="http://schemas.openxmlformats.org/presentationml/2006/main">
-  <p:cSld>
-    <p:spTree>
-      <p:nvGrpSpPr>
-        <p:cNvPr id="1" name=""/>
-        <p:cNvGrpSpPr/>
-        <p:nvPr/>
-      </p:nvGrpSpPr>
-      <p:grpSpPr>
-        <a:xfrm>
-          <a:off x="0" y="0"/>
-          <a:ext cx="0" cy="0"/>
-          <a:chOff x="0" y="0"/>
-          <a:chExt cx="0" cy="0"/>
-        </a:xfrm>
-      </p:grpSpPr>
-      <p:sp>
-        <p:nvSpPr>
-          <p:cNvPr id="2" name="Titel 1"/>
-          <p:cNvSpPr>
-            <a:spLocks noGrp="1"/>
-          </p:cNvSpPr>
-          <p:nvPr>
-            <p:ph type="title"/>
-          </p:nvPr>
-        </p:nvSpPr>
-        <p:spPr/>
-        <p:txBody>
-          <a:bodyPr/>
-          <a:lstStyle/>
-          <a:p>
-            <a:r>
-              <a:rPr lang="de-DE" u="sng" dirty="0" err="1" smtClean="0">
-                <a:solidFill>
-                  <a:srgbClr val="595959"/>
-                </a:solidFill>
-              </a:rPr>
-              <a:t>Projectmanagement</a:t>
-            </a:r>
-            <a:r>
-              <a:rPr lang="de-DE" u="sng" dirty="0" smtClean="0">
-                <a:solidFill>
-                  <a:srgbClr val="595959"/>
-                </a:solidFill>
-              </a:rPr>
-              <a:t>: </a:t>
-            </a:r>
-            <a:r>
-              <a:rPr lang="de-DE" u="sng" dirty="0" err="1" smtClean="0">
-                <a:solidFill>
-                  <a:srgbClr val="595959"/>
-                </a:solidFill>
-              </a:rPr>
-              <a:t>Scrum</a:t>
-            </a:r>
-            <a:r>
-              <a:rPr lang="de-DE" u="sng" dirty="0" smtClean="0">
-                <a:solidFill>
-                  <a:srgbClr val="595959"/>
-                </a:solidFill>
-              </a:rPr>
-              <a:t> - </a:t>
-            </a:r>
-            <a:r>
-              <a:rPr lang="de-DE" u="sng" dirty="0" err="1" smtClean="0">
-                <a:solidFill>
-                  <a:srgbClr val="595959"/>
-                </a:solidFill>
-              </a:rPr>
-              <a:t>Construction</a:t>
-            </a:r>
-            <a:endParaRPr lang="de-DE" u="sng" dirty="0">
-              <a:solidFill>
-                <a:srgbClr val="595959"/>
-              </a:solidFill>
-            </a:endParaRPr>
-          </a:p>
-        </p:txBody>
-      </p:sp>
-      <p:pic>
-        <p:nvPicPr>
-          <p:cNvPr id="4" name="Inhaltsplatzhalter 3"/>
-          <p:cNvPicPr>
-            <a:picLocks noGrp="1" noChangeAspect="1"/>
-          </p:cNvPicPr>
-          <p:nvPr>
-            <p:ph idx="1"/>
-          </p:nvPr>
-        </p:nvPicPr>
-        <p:blipFill>
-          <a:blip r:embed="rId2"/>
-          <a:stretch>
-            <a:fillRect/>
-          </a:stretch>
-        </p:blipFill>
-        <p:spPr>
-          <a:xfrm>
-            <a:off x="1810360" y="2438399"/>
-            <a:ext cx="9366614" cy="3124200"/>
-          </a:xfrm>
-          <a:prstGeom prst="rect">
-            <a:avLst/>
-          </a:prstGeom>
-        </p:spPr>
-      </p:pic>
-    </p:spTree>
-    <p:extLst>
-      <p:ext uri="{BB962C8B-B14F-4D97-AF65-F5344CB8AC3E}">
-        <p14:creationId xmlns:p14="http://schemas.microsoft.com/office/powerpoint/2010/main" val="2160321990"/>
-      </p:ext>
-    </p:extLst>
-  </p:cSld>
-  <p:clrMapOvr>
-    <a:masterClrMapping/>
-  </p:clrMapOvr>
-</p:sld>
-</file>
-
-<file path=ppt/slides/slide9.xml><?xml version="1.0" encoding="utf-8"?>
-<p:sld xmlns:a="http://schemas.openxmlformats.org/drawingml/2006/main" xmlns:r="http://schemas.openxmlformats.org/officeDocument/2006/relationships" xmlns:p="http://schemas.openxmlformats.org/presentationml/2006/main">
-  <p:cSld>
-    <p:spTree>
-      <p:nvGrpSpPr>
-        <p:cNvPr id="1" name=""/>
-        <p:cNvGrpSpPr/>
-        <p:nvPr/>
-      </p:nvGrpSpPr>
-      <p:grpSpPr>
-        <a:xfrm>
-          <a:off x="0" y="0"/>
-          <a:ext cx="0" cy="0"/>
-          <a:chOff x="0" y="0"/>
-          <a:chExt cx="0" cy="0"/>
-        </a:xfrm>
-      </p:grpSpPr>
-      <p:sp>
-        <p:nvSpPr>
-          <p:cNvPr id="2" name="Titel 1"/>
-          <p:cNvSpPr>
-            <a:spLocks noGrp="1"/>
-          </p:cNvSpPr>
-          <p:nvPr>
-            <p:ph type="title"/>
-          </p:nvPr>
-        </p:nvSpPr>
-        <p:spPr/>
-        <p:txBody>
-          <a:bodyPr/>
-          <a:lstStyle/>
-          <a:p>
-            <a:r>
-              <a:rPr lang="de-DE" u="sng" dirty="0" err="1" smtClean="0">
-                <a:solidFill>
-                  <a:srgbClr val="595959"/>
-                </a:solidFill>
-              </a:rPr>
-              <a:t>Construction</a:t>
-            </a:r>
-            <a:endParaRPr lang="de-DE" u="sng" dirty="0">
-              <a:solidFill>
-                <a:srgbClr val="595959"/>
-              </a:solidFill>
-            </a:endParaRPr>
-          </a:p>
-        </p:txBody>
-      </p:sp>
-      <p:sp>
-        <p:nvSpPr>
-          <p:cNvPr id="3" name="Inhaltsplatzhalter 2"/>
-          <p:cNvSpPr>
-            <a:spLocks noGrp="1"/>
-          </p:cNvSpPr>
-          <p:nvPr>
-            <p:ph idx="1"/>
-          </p:nvPr>
-        </p:nvSpPr>
-        <p:spPr>
-          <a:xfrm>
-            <a:off x="5135173" y="2438399"/>
-            <a:ext cx="2716987" cy="1556951"/>
-          </a:xfrm>
-        </p:spPr>
-        <p:txBody>
-          <a:bodyPr/>
-          <a:lstStyle/>
-          <a:p>
-            <a:pPr marL="0" indent="0" algn="ctr">
-              <a:buNone/>
-            </a:pPr>
-            <a:r>
-              <a:rPr lang="de-DE" dirty="0" smtClean="0">
-                <a:solidFill>
-                  <a:srgbClr val="595959"/>
-                </a:solidFill>
-              </a:rPr>
-              <a:t>Technical </a:t>
-            </a:r>
-            <a:r>
-              <a:rPr lang="de-DE" dirty="0" err="1" smtClean="0">
-                <a:solidFill>
-                  <a:srgbClr val="595959"/>
-                </a:solidFill>
-              </a:rPr>
-              <a:t>abilitys</a:t>
-            </a:r>
-            <a:endParaRPr lang="de-DE" dirty="0">
-              <a:solidFill>
-                <a:srgbClr val="595959"/>
-              </a:solidFill>
-            </a:endParaRPr>
-          </a:p>
-        </p:txBody>
-      </p:sp>
-    </p:spTree>
-    <p:extLst>
-      <p:ext uri="{BB962C8B-B14F-4D97-AF65-F5344CB8AC3E}">
-        <p14:creationId xmlns:p14="http://schemas.microsoft.com/office/powerpoint/2010/main" val="3793259168"/>
-      </p:ext>
-    </p:extLst>
-  </p:cSld>
-  <p:clrMapOvr>
-    <a:masterClrMapping/>
-  </p:clrMapOvr>
+  <p:timing>
+    <p:tnLst>
+      <p:par>
+        <p:cTn id="1" dur="indefinite" restart="never" nodeType="tmRoot"/>
+      </p:par>
+    </p:tnLst>
+  </p:timing>
 </p:sld>
 </file>
 
